--- a/PPT/MachineLearning06-MatPlotLib.pptx
+++ b/PPT/MachineLearning06-MatPlotLib.pptx
@@ -5,10 +5,10 @@
     <p:sldMasterId id="2147483653" r:id="rId1"/>
   </p:sldMasterIdLst>
   <p:notesMasterIdLst>
-    <p:notesMasterId r:id="rId15"/>
+    <p:notesMasterId r:id="rId18"/>
   </p:notesMasterIdLst>
   <p:handoutMasterIdLst>
-    <p:handoutMasterId r:id="rId16"/>
+    <p:handoutMasterId r:id="rId19"/>
   </p:handoutMasterIdLst>
   <p:sldIdLst>
     <p:sldId id="264" r:id="rId2"/>
@@ -24,6 +24,9 @@
     <p:sldId id="275" r:id="rId12"/>
     <p:sldId id="276" r:id="rId13"/>
     <p:sldId id="270" r:id="rId14"/>
+    <p:sldId id="277" r:id="rId15"/>
+    <p:sldId id="279" r:id="rId16"/>
+    <p:sldId id="278" r:id="rId17"/>
   </p:sldIdLst>
   <p:sldSz cx="9144000" cy="6858000" type="screen4x3"/>
   <p:notesSz cx="6648450" cy="9782175"/>
@@ -3701,11 +3704,7 @@
             <a:pPr eaLnBrk="1" hangingPunct="1"/>
             <a:r>
               <a:rPr lang="fr-FR" altLang="fr-FR" smtClean="0"/>
-              <a:t>Chapitre </a:t>
-            </a:r>
-            <a:r>
-              <a:rPr lang="fr-FR" altLang="fr-FR" smtClean="0"/>
-              <a:t>6</a:t>
+              <a:t>Chapitre 6</a:t>
             </a:r>
             <a:endParaRPr lang="fr-FR" altLang="fr-FR" dirty="0" smtClean="0"/>
           </a:p>
@@ -4342,6 +4341,336 @@
       </p:par>
     </p:tnLst>
   </p:timing>
+</p:sld>
+</file>
+
+<file path=ppt/slides/slide14.xml><?xml version="1.0" encoding="utf-8"?>
+<p:sld xmlns:a="http://schemas.openxmlformats.org/drawingml/2006/main" xmlns:r="http://schemas.openxmlformats.org/officeDocument/2006/relationships" xmlns:p="http://schemas.openxmlformats.org/presentationml/2006/main">
+  <p:cSld>
+    <p:spTree>
+      <p:nvGrpSpPr>
+        <p:cNvPr id="1" name=""/>
+        <p:cNvGrpSpPr/>
+        <p:nvPr/>
+      </p:nvGrpSpPr>
+      <p:grpSpPr>
+        <a:xfrm>
+          <a:off x="0" y="0"/>
+          <a:ext cx="0" cy="0"/>
+          <a:chOff x="0" y="0"/>
+          <a:chExt cx="0" cy="0"/>
+        </a:xfrm>
+      </p:grpSpPr>
+      <p:sp>
+        <p:nvSpPr>
+          <p:cNvPr id="2" name="Titre 1"/>
+          <p:cNvSpPr>
+            <a:spLocks noGrp="1"/>
+          </p:cNvSpPr>
+          <p:nvPr>
+            <p:ph type="title"/>
+          </p:nvPr>
+        </p:nvSpPr>
+        <p:spPr/>
+        <p:txBody>
+          <a:bodyPr/>
+          <a:lstStyle/>
+          <a:p>
+            <a:r>
+              <a:rPr lang="fr-FR" dirty="0" err="1" smtClean="0"/>
+              <a:t>Jupyter</a:t>
+            </a:r>
+            <a:endParaRPr lang="fr-FR" dirty="0"/>
+          </a:p>
+        </p:txBody>
+      </p:sp>
+      <p:sp>
+        <p:nvSpPr>
+          <p:cNvPr id="3" name="Espace réservé du contenu 2"/>
+          <p:cNvSpPr>
+            <a:spLocks noGrp="1"/>
+          </p:cNvSpPr>
+          <p:nvPr>
+            <p:ph idx="1"/>
+          </p:nvPr>
+        </p:nvSpPr>
+        <p:spPr/>
+        <p:txBody>
+          <a:bodyPr/>
+          <a:lstStyle/>
+          <a:p>
+            <a:endParaRPr lang="fr-FR"/>
+          </a:p>
+        </p:txBody>
+      </p:sp>
+      <p:pic>
+        <p:nvPicPr>
+          <p:cNvPr id="1026" name="Picture 2" descr="Jupyter Notebook"/>
+          <p:cNvPicPr>
+            <a:picLocks noChangeAspect="1" noChangeArrowheads="1"/>
+          </p:cNvPicPr>
+          <p:nvPr/>
+        </p:nvPicPr>
+        <p:blipFill>
+          <a:blip r:embed="rId2">
+            <a:extLst>
+              <a:ext uri="{28A0092B-C50C-407E-A947-70E740481C1C}">
+                <a14:useLocalDpi xmlns:a14="http://schemas.microsoft.com/office/drawing/2010/main" val="0"/>
+              </a:ext>
+            </a:extLst>
+          </a:blip>
+          <a:srcRect/>
+          <a:stretch>
+            <a:fillRect/>
+          </a:stretch>
+        </p:blipFill>
+        <p:spPr bwMode="auto">
+          <a:xfrm>
+            <a:off x="1043607" y="980728"/>
+            <a:ext cx="7726927" cy="5472608"/>
+          </a:xfrm>
+          <a:prstGeom prst="rect">
+            <a:avLst/>
+          </a:prstGeom>
+          <a:noFill/>
+          <a:extLst>
+            <a:ext uri="{909E8E84-426E-40DD-AFC4-6F175D3DCCD1}">
+              <a14:hiddenFill xmlns:a14="http://schemas.microsoft.com/office/drawing/2010/main">
+                <a:solidFill>
+                  <a:srgbClr val="FFFFFF"/>
+                </a:solidFill>
+              </a14:hiddenFill>
+            </a:ext>
+          </a:extLst>
+        </p:spPr>
+      </p:pic>
+    </p:spTree>
+    <p:extLst>
+      <p:ext uri="{BB962C8B-B14F-4D97-AF65-F5344CB8AC3E}">
+        <p14:creationId xmlns:p14="http://schemas.microsoft.com/office/powerpoint/2010/main" val="550383987"/>
+      </p:ext>
+    </p:extLst>
+  </p:cSld>
+  <p:clrMapOvr>
+    <a:masterClrMapping/>
+  </p:clrMapOvr>
+</p:sld>
+</file>
+
+<file path=ppt/slides/slide15.xml><?xml version="1.0" encoding="utf-8"?>
+<p:sld xmlns:a="http://schemas.openxmlformats.org/drawingml/2006/main" xmlns:r="http://schemas.openxmlformats.org/officeDocument/2006/relationships" xmlns:p="http://schemas.openxmlformats.org/presentationml/2006/main">
+  <p:cSld>
+    <p:spTree>
+      <p:nvGrpSpPr>
+        <p:cNvPr id="1" name=""/>
+        <p:cNvGrpSpPr/>
+        <p:nvPr/>
+      </p:nvGrpSpPr>
+      <p:grpSpPr>
+        <a:xfrm>
+          <a:off x="0" y="0"/>
+          <a:ext cx="0" cy="0"/>
+          <a:chOff x="0" y="0"/>
+          <a:chExt cx="0" cy="0"/>
+        </a:xfrm>
+      </p:grpSpPr>
+      <p:sp>
+        <p:nvSpPr>
+          <p:cNvPr id="2" name="Titre 1"/>
+          <p:cNvSpPr>
+            <a:spLocks noGrp="1"/>
+          </p:cNvSpPr>
+          <p:nvPr>
+            <p:ph type="title"/>
+          </p:nvPr>
+        </p:nvSpPr>
+        <p:spPr/>
+        <p:txBody>
+          <a:bodyPr/>
+          <a:lstStyle/>
+          <a:p>
+            <a:r>
+              <a:rPr lang="fr-FR" dirty="0" smtClean="0"/>
+              <a:t>Intégration </a:t>
+            </a:r>
+            <a:r>
+              <a:rPr lang="fr-FR" dirty="0" err="1" smtClean="0"/>
+              <a:t>matplotlib</a:t>
+            </a:r>
+            <a:endParaRPr lang="fr-FR" dirty="0"/>
+          </a:p>
+        </p:txBody>
+      </p:sp>
+      <p:sp>
+        <p:nvSpPr>
+          <p:cNvPr id="3" name="Espace réservé du contenu 2"/>
+          <p:cNvSpPr>
+            <a:spLocks noGrp="1"/>
+          </p:cNvSpPr>
+          <p:nvPr>
+            <p:ph idx="1"/>
+          </p:nvPr>
+        </p:nvSpPr>
+        <p:spPr/>
+        <p:txBody>
+          <a:bodyPr/>
+          <a:lstStyle/>
+          <a:p>
+            <a:endParaRPr lang="fr-FR"/>
+          </a:p>
+        </p:txBody>
+      </p:sp>
+      <p:pic>
+        <p:nvPicPr>
+          <p:cNvPr id="2050" name="Picture 2" descr="https://miro.medium.com/max/1339/1*IQTYIAc7kqjKBfGJ7au1iA.png"/>
+          <p:cNvPicPr>
+            <a:picLocks noChangeAspect="1" noChangeArrowheads="1"/>
+          </p:cNvPicPr>
+          <p:nvPr/>
+        </p:nvPicPr>
+        <p:blipFill>
+          <a:blip r:embed="rId2">
+            <a:extLst>
+              <a:ext uri="{28A0092B-C50C-407E-A947-70E740481C1C}">
+                <a14:useLocalDpi xmlns:a14="http://schemas.microsoft.com/office/drawing/2010/main" val="0"/>
+              </a:ext>
+            </a:extLst>
+          </a:blip>
+          <a:srcRect/>
+          <a:stretch>
+            <a:fillRect/>
+          </a:stretch>
+        </p:blipFill>
+        <p:spPr bwMode="auto">
+          <a:xfrm>
+            <a:off x="242057" y="1225192"/>
+            <a:ext cx="8640960" cy="5228144"/>
+          </a:xfrm>
+          <a:prstGeom prst="rect">
+            <a:avLst/>
+          </a:prstGeom>
+          <a:noFill/>
+          <a:extLst>
+            <a:ext uri="{909E8E84-426E-40DD-AFC4-6F175D3DCCD1}">
+              <a14:hiddenFill xmlns:a14="http://schemas.microsoft.com/office/drawing/2010/main">
+                <a:solidFill>
+                  <a:srgbClr val="FFFFFF"/>
+                </a:solidFill>
+              </a14:hiddenFill>
+            </a:ext>
+          </a:extLst>
+        </p:spPr>
+      </p:pic>
+    </p:spTree>
+    <p:extLst>
+      <p:ext uri="{BB962C8B-B14F-4D97-AF65-F5344CB8AC3E}">
+        <p14:creationId xmlns:p14="http://schemas.microsoft.com/office/powerpoint/2010/main" val="2610791008"/>
+      </p:ext>
+    </p:extLst>
+  </p:cSld>
+  <p:clrMapOvr>
+    <a:masterClrMapping/>
+  </p:clrMapOvr>
+</p:sld>
+</file>
+
+<file path=ppt/slides/slide16.xml><?xml version="1.0" encoding="utf-8"?>
+<p:sld xmlns:a="http://schemas.openxmlformats.org/drawingml/2006/main" xmlns:r="http://schemas.openxmlformats.org/officeDocument/2006/relationships" xmlns:p="http://schemas.openxmlformats.org/presentationml/2006/main">
+  <p:cSld>
+    <p:spTree>
+      <p:nvGrpSpPr>
+        <p:cNvPr id="1" name=""/>
+        <p:cNvGrpSpPr/>
+        <p:nvPr/>
+      </p:nvGrpSpPr>
+      <p:grpSpPr>
+        <a:xfrm>
+          <a:off x="0" y="0"/>
+          <a:ext cx="0" cy="0"/>
+          <a:chOff x="0" y="0"/>
+          <a:chExt cx="0" cy="0"/>
+        </a:xfrm>
+      </p:grpSpPr>
+      <p:sp>
+        <p:nvSpPr>
+          <p:cNvPr id="2" name="Titre 1"/>
+          <p:cNvSpPr>
+            <a:spLocks noGrp="1"/>
+          </p:cNvSpPr>
+          <p:nvPr>
+            <p:ph type="title"/>
+          </p:nvPr>
+        </p:nvSpPr>
+        <p:spPr/>
+        <p:txBody>
+          <a:bodyPr/>
+          <a:lstStyle/>
+          <a:p>
+            <a:r>
+              <a:rPr lang="fr-FR" dirty="0" smtClean="0"/>
+              <a:t>Google </a:t>
+            </a:r>
+            <a:r>
+              <a:rPr lang="fr-FR" dirty="0" err="1" smtClean="0"/>
+              <a:t>Colab</a:t>
+            </a:r>
+            <a:endParaRPr lang="fr-FR" dirty="0"/>
+          </a:p>
+        </p:txBody>
+      </p:sp>
+      <p:sp>
+        <p:nvSpPr>
+          <p:cNvPr id="3" name="Espace réservé du contenu 2"/>
+          <p:cNvSpPr>
+            <a:spLocks noGrp="1"/>
+          </p:cNvSpPr>
+          <p:nvPr>
+            <p:ph idx="1"/>
+          </p:nvPr>
+        </p:nvSpPr>
+        <p:spPr/>
+        <p:txBody>
+          <a:bodyPr/>
+          <a:lstStyle/>
+          <a:p>
+            <a:endParaRPr lang="fr-FR"/>
+          </a:p>
+        </p:txBody>
+      </p:sp>
+      <p:pic>
+        <p:nvPicPr>
+          <p:cNvPr id="4" name="Image 3"/>
+          <p:cNvPicPr>
+            <a:picLocks noChangeAspect="1"/>
+          </p:cNvPicPr>
+          <p:nvPr/>
+        </p:nvPicPr>
+        <p:blipFill>
+          <a:blip r:embed="rId2"/>
+          <a:stretch>
+            <a:fillRect/>
+          </a:stretch>
+        </p:blipFill>
+        <p:spPr>
+          <a:xfrm>
+            <a:off x="2228850" y="1462087"/>
+            <a:ext cx="4686300" cy="3933825"/>
+          </a:xfrm>
+          <a:prstGeom prst="rect">
+            <a:avLst/>
+          </a:prstGeom>
+        </p:spPr>
+      </p:pic>
+    </p:spTree>
+    <p:extLst>
+      <p:ext uri="{BB962C8B-B14F-4D97-AF65-F5344CB8AC3E}">
+        <p14:creationId xmlns:p14="http://schemas.microsoft.com/office/powerpoint/2010/main" val="643165618"/>
+      </p:ext>
+    </p:extLst>
+  </p:cSld>
+  <p:clrMapOvr>
+    <a:masterClrMapping/>
+  </p:clrMapOvr>
 </p:sld>
 </file>
 

--- a/PPT/MachineLearning06-MatPlotLib.pptx
+++ b/PPT/MachineLearning06-MatPlotLib.pptx
@@ -5,10 +5,10 @@
     <p:sldMasterId id="2147483653" r:id="rId1"/>
   </p:sldMasterIdLst>
   <p:notesMasterIdLst>
-    <p:notesMasterId r:id="rId18"/>
+    <p:notesMasterId r:id="rId14"/>
   </p:notesMasterIdLst>
   <p:handoutMasterIdLst>
-    <p:handoutMasterId r:id="rId19"/>
+    <p:handoutMasterId r:id="rId15"/>
   </p:handoutMasterIdLst>
   <p:sldIdLst>
     <p:sldId id="264" r:id="rId2"/>
@@ -19,14 +19,10 @@
     <p:sldId id="269" r:id="rId7"/>
     <p:sldId id="271" r:id="rId8"/>
     <p:sldId id="272" r:id="rId9"/>
-    <p:sldId id="273" r:id="rId10"/>
-    <p:sldId id="274" r:id="rId11"/>
-    <p:sldId id="275" r:id="rId12"/>
-    <p:sldId id="276" r:id="rId13"/>
-    <p:sldId id="270" r:id="rId14"/>
-    <p:sldId id="277" r:id="rId15"/>
-    <p:sldId id="279" r:id="rId16"/>
-    <p:sldId id="278" r:id="rId17"/>
+    <p:sldId id="270" r:id="rId10"/>
+    <p:sldId id="277" r:id="rId11"/>
+    <p:sldId id="279" r:id="rId12"/>
+    <p:sldId id="278" r:id="rId13"/>
   </p:sldIdLst>
   <p:sldSz cx="9144000" cy="6858000" type="screen4x3"/>
   <p:notesSz cx="6648450" cy="9782175"/>
@@ -3845,539 +3841,6 @@
           <a:p>
             <a:r>
               <a:rPr lang="fr-FR" dirty="0" err="1" smtClean="0"/>
-              <a:t>subplot</a:t>
-            </a:r>
-            <a:endParaRPr lang="fr-FR" dirty="0"/>
-          </a:p>
-        </p:txBody>
-      </p:sp>
-      <p:sp>
-        <p:nvSpPr>
-          <p:cNvPr id="3" name="Espace réservé du contenu 2"/>
-          <p:cNvSpPr>
-            <a:spLocks noGrp="1"/>
-          </p:cNvSpPr>
-          <p:nvPr>
-            <p:ph idx="1"/>
-          </p:nvPr>
-        </p:nvSpPr>
-        <p:spPr/>
-        <p:txBody>
-          <a:bodyPr/>
-          <a:lstStyle/>
-          <a:p>
-            <a:endParaRPr lang="fr-FR" dirty="0"/>
-          </a:p>
-        </p:txBody>
-      </p:sp>
-      <p:pic>
-        <p:nvPicPr>
-          <p:cNvPr id="4098" name="Picture 2" descr="../../_images/subplots_demo_01.png"/>
-          <p:cNvPicPr>
-            <a:picLocks noChangeAspect="1" noChangeArrowheads="1"/>
-          </p:cNvPicPr>
-          <p:nvPr/>
-        </p:nvPicPr>
-        <p:blipFill>
-          <a:blip r:embed="rId2">
-            <a:extLst>
-              <a:ext uri="{28A0092B-C50C-407E-A947-70E740481C1C}">
-                <a14:useLocalDpi xmlns:a14="http://schemas.microsoft.com/office/drawing/2010/main" val="0"/>
-              </a:ext>
-            </a:extLst>
-          </a:blip>
-          <a:srcRect/>
-          <a:stretch>
-            <a:fillRect/>
-          </a:stretch>
-        </p:blipFill>
-        <p:spPr bwMode="auto">
-          <a:xfrm>
-            <a:off x="3905250" y="1146760"/>
-            <a:ext cx="5238750" cy="4286250"/>
-          </a:xfrm>
-          <a:prstGeom prst="rect">
-            <a:avLst/>
-          </a:prstGeom>
-          <a:noFill/>
-          <a:extLst>
-            <a:ext uri="{909E8E84-426E-40DD-AFC4-6F175D3DCCD1}">
-              <a14:hiddenFill xmlns:a14="http://schemas.microsoft.com/office/drawing/2010/main">
-                <a:solidFill>
-                  <a:srgbClr val="FFFFFF"/>
-                </a:solidFill>
-              </a14:hiddenFill>
-            </a:ext>
-          </a:extLst>
-        </p:spPr>
-      </p:pic>
-      <p:pic>
-        <p:nvPicPr>
-          <p:cNvPr id="4" name="Image 3"/>
-          <p:cNvPicPr>
-            <a:picLocks noChangeAspect="1"/>
-          </p:cNvPicPr>
-          <p:nvPr/>
-        </p:nvPicPr>
-        <p:blipFill>
-          <a:blip r:embed="rId3"/>
-          <a:stretch>
-            <a:fillRect/>
-          </a:stretch>
-        </p:blipFill>
-        <p:spPr>
-          <a:xfrm>
-            <a:off x="467544" y="3212976"/>
-            <a:ext cx="3633726" cy="1153367"/>
-          </a:xfrm>
-          <a:prstGeom prst="rect">
-            <a:avLst/>
-          </a:prstGeom>
-        </p:spPr>
-      </p:pic>
-    </p:spTree>
-    <p:extLst>
-      <p:ext uri="{BB962C8B-B14F-4D97-AF65-F5344CB8AC3E}">
-        <p14:creationId xmlns:p14="http://schemas.microsoft.com/office/powerpoint/2010/main" val="1471350067"/>
-      </p:ext>
-    </p:extLst>
-  </p:cSld>
-  <p:clrMapOvr>
-    <a:masterClrMapping/>
-  </p:clrMapOvr>
-  <p:timing>
-    <p:tnLst>
-      <p:par>
-        <p:cTn id="1" dur="indefinite" restart="never" nodeType="tmRoot"/>
-      </p:par>
-    </p:tnLst>
-  </p:timing>
-</p:sld>
-</file>
-
-<file path=ppt/slides/slide11.xml><?xml version="1.0" encoding="utf-8"?>
-<p:sld xmlns:a="http://schemas.openxmlformats.org/drawingml/2006/main" xmlns:r="http://schemas.openxmlformats.org/officeDocument/2006/relationships" xmlns:p="http://schemas.openxmlformats.org/presentationml/2006/main">
-  <p:cSld>
-    <p:spTree>
-      <p:nvGrpSpPr>
-        <p:cNvPr id="1" name=""/>
-        <p:cNvGrpSpPr/>
-        <p:nvPr/>
-      </p:nvGrpSpPr>
-      <p:grpSpPr>
-        <a:xfrm>
-          <a:off x="0" y="0"/>
-          <a:ext cx="0" cy="0"/>
-          <a:chOff x="0" y="0"/>
-          <a:chExt cx="0" cy="0"/>
-        </a:xfrm>
-      </p:grpSpPr>
-      <p:sp>
-        <p:nvSpPr>
-          <p:cNvPr id="2" name="Titre 1"/>
-          <p:cNvSpPr>
-            <a:spLocks noGrp="1"/>
-          </p:cNvSpPr>
-          <p:nvPr>
-            <p:ph type="title"/>
-          </p:nvPr>
-        </p:nvSpPr>
-        <p:spPr/>
-        <p:txBody>
-          <a:bodyPr/>
-          <a:lstStyle/>
-          <a:p>
-            <a:r>
-              <a:rPr lang="fr-FR" dirty="0" err="1" smtClean="0"/>
-              <a:t>subplot</a:t>
-            </a:r>
-            <a:endParaRPr lang="fr-FR" dirty="0"/>
-          </a:p>
-        </p:txBody>
-      </p:sp>
-      <p:pic>
-        <p:nvPicPr>
-          <p:cNvPr id="5124" name="Picture 4" descr="../../_images/subplots_demo_03.png"/>
-          <p:cNvPicPr>
-            <a:picLocks noGrp="1" noChangeAspect="1" noChangeArrowheads="1"/>
-          </p:cNvPicPr>
-          <p:nvPr>
-            <p:ph idx="1"/>
-          </p:nvPr>
-        </p:nvPicPr>
-        <p:blipFill>
-          <a:blip r:embed="rId2">
-            <a:extLst>
-              <a:ext uri="{28A0092B-C50C-407E-A947-70E740481C1C}">
-                <a14:useLocalDpi xmlns:a14="http://schemas.microsoft.com/office/drawing/2010/main" val="0"/>
-              </a:ext>
-            </a:extLst>
-          </a:blip>
-          <a:srcRect/>
-          <a:stretch>
-            <a:fillRect/>
-          </a:stretch>
-        </p:blipFill>
-        <p:spPr bwMode="auto">
-          <a:xfrm>
-            <a:off x="4355976" y="836712"/>
-            <a:ext cx="5029210" cy="4114808"/>
-          </a:xfrm>
-          <a:prstGeom prst="rect">
-            <a:avLst/>
-          </a:prstGeom>
-          <a:noFill/>
-          <a:extLst>
-            <a:ext uri="{909E8E84-426E-40DD-AFC4-6F175D3DCCD1}">
-              <a14:hiddenFill xmlns:a14="http://schemas.microsoft.com/office/drawing/2010/main">
-                <a:solidFill>
-                  <a:srgbClr val="FFFFFF"/>
-                </a:solidFill>
-              </a14:hiddenFill>
-            </a:ext>
-          </a:extLst>
-        </p:spPr>
-      </p:pic>
-      <p:pic>
-        <p:nvPicPr>
-          <p:cNvPr id="4" name="Image 3"/>
-          <p:cNvPicPr>
-            <a:picLocks noChangeAspect="1"/>
-          </p:cNvPicPr>
-          <p:nvPr/>
-        </p:nvPicPr>
-        <p:blipFill>
-          <a:blip r:embed="rId3"/>
-          <a:stretch>
-            <a:fillRect/>
-          </a:stretch>
-        </p:blipFill>
-        <p:spPr>
-          <a:xfrm>
-            <a:off x="-59603" y="2492896"/>
-            <a:ext cx="5162550" cy="1762125"/>
-          </a:xfrm>
-          <a:prstGeom prst="rect">
-            <a:avLst/>
-          </a:prstGeom>
-        </p:spPr>
-      </p:pic>
-    </p:spTree>
-    <p:extLst>
-      <p:ext uri="{BB962C8B-B14F-4D97-AF65-F5344CB8AC3E}">
-        <p14:creationId xmlns:p14="http://schemas.microsoft.com/office/powerpoint/2010/main" val="3855538345"/>
-      </p:ext>
-    </p:extLst>
-  </p:cSld>
-  <p:clrMapOvr>
-    <a:masterClrMapping/>
-  </p:clrMapOvr>
-  <p:timing>
-    <p:tnLst>
-      <p:par>
-        <p:cTn id="1" dur="indefinite" restart="never" nodeType="tmRoot"/>
-      </p:par>
-    </p:tnLst>
-  </p:timing>
-</p:sld>
-</file>
-
-<file path=ppt/slides/slide12.xml><?xml version="1.0" encoding="utf-8"?>
-<p:sld xmlns:a="http://schemas.openxmlformats.org/drawingml/2006/main" xmlns:r="http://schemas.openxmlformats.org/officeDocument/2006/relationships" xmlns:p="http://schemas.openxmlformats.org/presentationml/2006/main">
-  <p:cSld>
-    <p:spTree>
-      <p:nvGrpSpPr>
-        <p:cNvPr id="1" name=""/>
-        <p:cNvGrpSpPr/>
-        <p:nvPr/>
-      </p:nvGrpSpPr>
-      <p:grpSpPr>
-        <a:xfrm>
-          <a:off x="0" y="0"/>
-          <a:ext cx="0" cy="0"/>
-          <a:chOff x="0" y="0"/>
-          <a:chExt cx="0" cy="0"/>
-        </a:xfrm>
-      </p:grpSpPr>
-      <p:sp>
-        <p:nvSpPr>
-          <p:cNvPr id="2" name="Titre 1"/>
-          <p:cNvSpPr>
-            <a:spLocks noGrp="1"/>
-          </p:cNvSpPr>
-          <p:nvPr>
-            <p:ph type="title"/>
-          </p:nvPr>
-        </p:nvSpPr>
-        <p:spPr/>
-        <p:txBody>
-          <a:bodyPr/>
-          <a:lstStyle/>
-          <a:p>
-            <a:r>
-              <a:rPr lang="fr-FR" dirty="0" err="1" smtClean="0"/>
-              <a:t>subplot</a:t>
-            </a:r>
-            <a:endParaRPr lang="fr-FR" dirty="0"/>
-          </a:p>
-        </p:txBody>
-      </p:sp>
-      <p:pic>
-        <p:nvPicPr>
-          <p:cNvPr id="4" name="Espace réservé du contenu 3"/>
-          <p:cNvPicPr>
-            <a:picLocks noGrp="1" noChangeAspect="1"/>
-          </p:cNvPicPr>
-          <p:nvPr>
-            <p:ph idx="1"/>
-          </p:nvPr>
-        </p:nvPicPr>
-        <p:blipFill>
-          <a:blip r:embed="rId2"/>
-          <a:stretch>
-            <a:fillRect/>
-          </a:stretch>
-        </p:blipFill>
-        <p:spPr>
-          <a:xfrm>
-            <a:off x="251520" y="2348880"/>
-            <a:ext cx="3456384" cy="2265852"/>
-          </a:xfrm>
-          <a:prstGeom prst="rect">
-            <a:avLst/>
-          </a:prstGeom>
-        </p:spPr>
-      </p:pic>
-      <p:pic>
-        <p:nvPicPr>
-          <p:cNvPr id="6146" name="Picture 2" descr="../../_images/subplots_demo_05.png"/>
-          <p:cNvPicPr>
-            <a:picLocks noChangeAspect="1" noChangeArrowheads="1"/>
-          </p:cNvPicPr>
-          <p:nvPr/>
-        </p:nvPicPr>
-        <p:blipFill>
-          <a:blip r:embed="rId3">
-            <a:extLst>
-              <a:ext uri="{28A0092B-C50C-407E-A947-70E740481C1C}">
-                <a14:useLocalDpi xmlns:a14="http://schemas.microsoft.com/office/drawing/2010/main" val="0"/>
-              </a:ext>
-            </a:extLst>
-          </a:blip>
-          <a:srcRect/>
-          <a:stretch>
-            <a:fillRect/>
-          </a:stretch>
-        </p:blipFill>
-        <p:spPr bwMode="auto">
-          <a:xfrm>
-            <a:off x="3923703" y="1480765"/>
-            <a:ext cx="5238750" cy="4286250"/>
-          </a:xfrm>
-          <a:prstGeom prst="rect">
-            <a:avLst/>
-          </a:prstGeom>
-          <a:noFill/>
-          <a:extLst>
-            <a:ext uri="{909E8E84-426E-40DD-AFC4-6F175D3DCCD1}">
-              <a14:hiddenFill xmlns:a14="http://schemas.microsoft.com/office/drawing/2010/main">
-                <a:solidFill>
-                  <a:srgbClr val="FFFFFF"/>
-                </a:solidFill>
-              </a14:hiddenFill>
-            </a:ext>
-          </a:extLst>
-        </p:spPr>
-      </p:pic>
-    </p:spTree>
-    <p:extLst>
-      <p:ext uri="{BB962C8B-B14F-4D97-AF65-F5344CB8AC3E}">
-        <p14:creationId xmlns:p14="http://schemas.microsoft.com/office/powerpoint/2010/main" val="2290475104"/>
-      </p:ext>
-    </p:extLst>
-  </p:cSld>
-  <p:clrMapOvr>
-    <a:masterClrMapping/>
-  </p:clrMapOvr>
-  <p:timing>
-    <p:tnLst>
-      <p:par>
-        <p:cTn id="1" dur="indefinite" restart="never" nodeType="tmRoot"/>
-      </p:par>
-    </p:tnLst>
-  </p:timing>
-</p:sld>
-</file>
-
-<file path=ppt/slides/slide13.xml><?xml version="1.0" encoding="utf-8"?>
-<p:sld xmlns:a="http://schemas.openxmlformats.org/drawingml/2006/main" xmlns:r="http://schemas.openxmlformats.org/officeDocument/2006/relationships" xmlns:p="http://schemas.openxmlformats.org/presentationml/2006/main">
-  <p:cSld>
-    <p:spTree>
-      <p:nvGrpSpPr>
-        <p:cNvPr id="1" name=""/>
-        <p:cNvGrpSpPr/>
-        <p:nvPr/>
-      </p:nvGrpSpPr>
-      <p:grpSpPr>
-        <a:xfrm>
-          <a:off x="0" y="0"/>
-          <a:ext cx="0" cy="0"/>
-          <a:chOff x="0" y="0"/>
-          <a:chExt cx="0" cy="0"/>
-        </a:xfrm>
-      </p:grpSpPr>
-      <p:sp>
-        <p:nvSpPr>
-          <p:cNvPr id="2" name="Titre 1"/>
-          <p:cNvSpPr>
-            <a:spLocks noGrp="1"/>
-          </p:cNvSpPr>
-          <p:nvPr>
-            <p:ph type="title"/>
-          </p:nvPr>
-        </p:nvSpPr>
-        <p:spPr/>
-        <p:txBody>
-          <a:bodyPr/>
-          <a:lstStyle/>
-          <a:p>
-            <a:r>
-              <a:rPr lang="fr-FR" dirty="0" smtClean="0"/>
-              <a:t>show</a:t>
-            </a:r>
-            <a:endParaRPr lang="fr-FR" dirty="0"/>
-          </a:p>
-        </p:txBody>
-      </p:sp>
-      <p:sp>
-        <p:nvSpPr>
-          <p:cNvPr id="3" name="Espace réservé du contenu 2"/>
-          <p:cNvSpPr>
-            <a:spLocks noGrp="1"/>
-          </p:cNvSpPr>
-          <p:nvPr>
-            <p:ph idx="1"/>
-          </p:nvPr>
-        </p:nvSpPr>
-        <p:spPr/>
-        <p:txBody>
-          <a:bodyPr/>
-          <a:lstStyle/>
-          <a:p>
-            <a:r>
-              <a:rPr lang="fr-FR" dirty="0" smtClean="0"/>
-              <a:t>Il peut y avoir plusieurs commande par </a:t>
-            </a:r>
-            <a:r>
-              <a:rPr lang="fr-FR" dirty="0" err="1" smtClean="0"/>
-              <a:t>pyplot</a:t>
-            </a:r>
-            <a:endParaRPr lang="fr-FR" dirty="0" smtClean="0"/>
-          </a:p>
-          <a:p>
-            <a:pPr lvl="1"/>
-            <a:r>
-              <a:rPr lang="en-US" dirty="0"/>
-              <a:t>plot([1,2,3], [1,2,3], 'go-', label='line 1', linewidth=2)</a:t>
-            </a:r>
-          </a:p>
-          <a:p>
-            <a:pPr lvl="1"/>
-            <a:r>
-              <a:rPr lang="en-US" dirty="0"/>
-              <a:t>plot([1,2,3], [1,4,9], '</a:t>
-            </a:r>
-            <a:r>
-              <a:rPr lang="en-US" dirty="0" err="1"/>
-              <a:t>rs</a:t>
-            </a:r>
-            <a:r>
-              <a:rPr lang="en-US" dirty="0"/>
-              <a:t>',  label='line 2')</a:t>
-            </a:r>
-          </a:p>
-          <a:p>
-            <a:pPr lvl="1"/>
-            <a:r>
-              <a:rPr lang="en-US" dirty="0"/>
-              <a:t>axis([0, 4, 0, 10])</a:t>
-            </a:r>
-          </a:p>
-          <a:p>
-            <a:pPr lvl="1"/>
-            <a:r>
-              <a:rPr lang="en-US" dirty="0"/>
-              <a:t>legend</a:t>
-            </a:r>
-            <a:r>
-              <a:rPr lang="en-US" dirty="0" smtClean="0"/>
-              <a:t>()</a:t>
-            </a:r>
-            <a:endParaRPr lang="fr-FR" dirty="0"/>
-          </a:p>
-          <a:p>
-            <a:r>
-              <a:rPr lang="fr-FR" dirty="0" smtClean="0"/>
-              <a:t>Show() va calculer le graphique final</a:t>
-            </a:r>
-            <a:endParaRPr lang="fr-FR" dirty="0"/>
-          </a:p>
-        </p:txBody>
-      </p:sp>
-    </p:spTree>
-    <p:extLst>
-      <p:ext uri="{BB962C8B-B14F-4D97-AF65-F5344CB8AC3E}">
-        <p14:creationId xmlns:p14="http://schemas.microsoft.com/office/powerpoint/2010/main" val="1919918993"/>
-      </p:ext>
-    </p:extLst>
-  </p:cSld>
-  <p:clrMapOvr>
-    <a:masterClrMapping/>
-  </p:clrMapOvr>
-  <p:timing>
-    <p:tnLst>
-      <p:par>
-        <p:cTn id="1" dur="indefinite" restart="never" nodeType="tmRoot"/>
-      </p:par>
-    </p:tnLst>
-  </p:timing>
-</p:sld>
-</file>
-
-<file path=ppt/slides/slide14.xml><?xml version="1.0" encoding="utf-8"?>
-<p:sld xmlns:a="http://schemas.openxmlformats.org/drawingml/2006/main" xmlns:r="http://schemas.openxmlformats.org/officeDocument/2006/relationships" xmlns:p="http://schemas.openxmlformats.org/presentationml/2006/main">
-  <p:cSld>
-    <p:spTree>
-      <p:nvGrpSpPr>
-        <p:cNvPr id="1" name=""/>
-        <p:cNvGrpSpPr/>
-        <p:nvPr/>
-      </p:nvGrpSpPr>
-      <p:grpSpPr>
-        <a:xfrm>
-          <a:off x="0" y="0"/>
-          <a:ext cx="0" cy="0"/>
-          <a:chOff x="0" y="0"/>
-          <a:chExt cx="0" cy="0"/>
-        </a:xfrm>
-      </p:grpSpPr>
-      <p:sp>
-        <p:nvSpPr>
-          <p:cNvPr id="2" name="Titre 1"/>
-          <p:cNvSpPr>
-            <a:spLocks noGrp="1"/>
-          </p:cNvSpPr>
-          <p:nvPr>
-            <p:ph type="title"/>
-          </p:nvPr>
-        </p:nvSpPr>
-        <p:spPr/>
-        <p:txBody>
-          <a:bodyPr/>
-          <a:lstStyle/>
-          <a:p>
-            <a:r>
-              <a:rPr lang="fr-FR" dirty="0" err="1" smtClean="0"/>
               <a:t>Jupyter</a:t>
             </a:r>
             <a:endParaRPr lang="fr-FR" dirty="0"/>
@@ -4457,7 +3920,7 @@
 </p:sld>
 </file>
 
-<file path=ppt/slides/slide15.xml><?xml version="1.0" encoding="utf-8"?>
+<file path=ppt/slides/slide11.xml><?xml version="1.0" encoding="utf-8"?>
 <p:sld xmlns:a="http://schemas.openxmlformats.org/drawingml/2006/main" xmlns:r="http://schemas.openxmlformats.org/officeDocument/2006/relationships" xmlns:p="http://schemas.openxmlformats.org/presentationml/2006/main">
   <p:cSld>
     <p:spTree>
@@ -4574,7 +4037,7 @@
 </p:sld>
 </file>
 
-<file path=ppt/slides/slide16.xml><?xml version="1.0" encoding="utf-8"?>
+<file path=ppt/slides/slide12.xml><?xml version="1.0" encoding="utf-8"?>
 <p:sld xmlns:a="http://schemas.openxmlformats.org/drawingml/2006/main" xmlns:r="http://schemas.openxmlformats.org/officeDocument/2006/relationships" xmlns:p="http://schemas.openxmlformats.org/presentationml/2006/main">
   <p:cSld>
     <p:spTree>
@@ -5796,8 +5259,8 @@
           <a:lstStyle/>
           <a:p>
             <a:r>
-              <a:rPr lang="fr-FR" dirty="0" err="1" smtClean="0"/>
-              <a:t>subplot</a:t>
+              <a:rPr lang="fr-FR" dirty="0" smtClean="0"/>
+              <a:t>show</a:t>
             </a:r>
             <a:endParaRPr lang="fr-FR" dirty="0"/>
           </a:p>
@@ -5820,148 +5283,68 @@
           <a:p>
             <a:r>
               <a:rPr lang="fr-FR" dirty="0" smtClean="0"/>
-              <a:t>Permet d’avoir plusieurs graphiques</a:t>
-            </a:r>
-          </a:p>
-          <a:p>
+              <a:t>Il peut y avoir plusieurs commande par </a:t>
+            </a:r>
             <a:r>
               <a:rPr lang="fr-FR" dirty="0" err="1" smtClean="0"/>
-              <a:t>Plt.subplot</a:t>
-            </a:r>
+              <a:t>pyplot</a:t>
+            </a:r>
+            <a:endParaRPr lang="fr-FR" dirty="0" smtClean="0"/>
+          </a:p>
+          <a:p>
+            <a:pPr lvl="1"/>
+            <a:r>
+              <a:rPr lang="en-US" dirty="0"/>
+              <a:t>plot([1,2,3], [1,2,3], 'go-', label='line 1', linewidth=2)</a:t>
+            </a:r>
+          </a:p>
+          <a:p>
+            <a:pPr lvl="1"/>
+            <a:r>
+              <a:rPr lang="en-US" dirty="0"/>
+              <a:t>plot([1,2,3], [1,4,9], '</a:t>
+            </a:r>
+            <a:r>
+              <a:rPr lang="en-US" dirty="0" err="1"/>
+              <a:t>rs</a:t>
+            </a:r>
+            <a:r>
+              <a:rPr lang="en-US" dirty="0"/>
+              <a:t>',  label='line 2')</a:t>
+            </a:r>
+          </a:p>
+          <a:p>
+            <a:pPr lvl="1"/>
+            <a:r>
+              <a:rPr lang="en-US" dirty="0"/>
+              <a:t>axis([0, 4, 0, 10])</a:t>
+            </a:r>
+          </a:p>
+          <a:p>
+            <a:pPr lvl="1"/>
+            <a:r>
+              <a:rPr lang="en-US" dirty="0"/>
+              <a:t>legend</a:t>
+            </a:r>
+            <a:r>
+              <a:rPr lang="en-US" dirty="0" smtClean="0"/>
+              <a:t>()</a:t>
+            </a:r>
+            <a:endParaRPr lang="fr-FR" dirty="0"/>
+          </a:p>
+          <a:p>
             <a:r>
               <a:rPr lang="fr-FR" dirty="0" smtClean="0"/>
-              <a:t>([</a:t>
-            </a:r>
-            <a:r>
-              <a:rPr lang="fr-FR" dirty="0" err="1" smtClean="0"/>
-              <a:t>nrows</a:t>
-            </a:r>
-            <a:r>
-              <a:rPr lang="fr-FR" dirty="0" smtClean="0"/>
-              <a:t>, </a:t>
-            </a:r>
-            <a:r>
-              <a:rPr lang="fr-FR" dirty="0" err="1" smtClean="0"/>
-              <a:t>ncols</a:t>
-            </a:r>
-            <a:r>
-              <a:rPr lang="fr-FR" smtClean="0"/>
-              <a:t>, index])</a:t>
-            </a:r>
-            <a:endParaRPr lang="fr-FR" dirty="0" smtClean="0"/>
-          </a:p>
-          <a:p>
-            <a:pPr lvl="1"/>
-            <a:r>
-              <a:rPr lang="fr-FR" dirty="0" err="1" smtClean="0"/>
-              <a:t>nrows</a:t>
-            </a:r>
-            <a:r>
-              <a:rPr lang="fr-FR" dirty="0" smtClean="0"/>
-              <a:t> = nombre de ligne</a:t>
-            </a:r>
-          </a:p>
-          <a:p>
-            <a:pPr lvl="1"/>
-            <a:r>
-              <a:rPr lang="fr-FR" dirty="0" err="1"/>
-              <a:t>n</a:t>
-            </a:r>
-            <a:r>
-              <a:rPr lang="fr-FR" dirty="0" err="1" smtClean="0"/>
-              <a:t>cols</a:t>
-            </a:r>
-            <a:r>
-              <a:rPr lang="fr-FR" dirty="0" smtClean="0"/>
-              <a:t> = nombre de colonne</a:t>
-            </a:r>
-          </a:p>
-          <a:p>
-            <a:pPr lvl="1"/>
-            <a:r>
-              <a:rPr lang="fr-FR" dirty="0"/>
-              <a:t>i</a:t>
-            </a:r>
-            <a:r>
-              <a:rPr lang="fr-FR" dirty="0" smtClean="0"/>
-              <a:t>ndex = position</a:t>
-            </a:r>
-          </a:p>
-          <a:p>
-            <a:r>
-              <a:rPr lang="fr-FR" dirty="0" err="1" smtClean="0"/>
-              <a:t>Scatter</a:t>
-            </a:r>
-            <a:endParaRPr lang="fr-FR" dirty="0" smtClean="0"/>
-          </a:p>
-          <a:p>
-            <a:pPr lvl="1"/>
-            <a:r>
-              <a:rPr lang="fr-FR" dirty="0" smtClean="0"/>
-              <a:t>Idem à plot sans relier les points entre eux</a:t>
-            </a:r>
-          </a:p>
-          <a:p>
-            <a:r>
-              <a:rPr lang="fr-FR" dirty="0" smtClean="0"/>
-              <a:t>Bar</a:t>
-            </a:r>
-          </a:p>
-          <a:p>
-            <a:pPr lvl="1"/>
-            <a:r>
-              <a:rPr lang="fr-FR" dirty="0" smtClean="0"/>
-              <a:t>Afficher des barres</a:t>
+              <a:t>Show() va calculer le graphique final</a:t>
             </a:r>
             <a:endParaRPr lang="fr-FR" dirty="0"/>
           </a:p>
         </p:txBody>
       </p:sp>
-      <p:pic>
-        <p:nvPicPr>
-          <p:cNvPr id="1026" name="Picture 2" descr="Les gains pour chaque joueur"/>
-          <p:cNvPicPr>
-            <a:picLocks noChangeAspect="1" noChangeArrowheads="1"/>
-          </p:cNvPicPr>
-          <p:nvPr/>
-        </p:nvPicPr>
-        <p:blipFill>
-          <a:blip r:embed="rId2">
-            <a:extLst>
-              <a:ext uri="{28A0092B-C50C-407E-A947-70E740481C1C}">
-                <a14:useLocalDpi xmlns:a14="http://schemas.microsoft.com/office/drawing/2010/main" val="0"/>
-              </a:ext>
-            </a:extLst>
-          </a:blip>
-          <a:srcRect/>
-          <a:stretch>
-            <a:fillRect/>
-          </a:stretch>
-        </p:blipFill>
-        <p:spPr bwMode="auto">
-          <a:xfrm>
-            <a:off x="3635896" y="5079930"/>
-            <a:ext cx="2483768" cy="1629973"/>
-          </a:xfrm>
-          <a:prstGeom prst="rect">
-            <a:avLst/>
-          </a:prstGeom>
-          <a:noFill/>
-          <a:extLst>
-            <a:ext uri="{909E8E84-426E-40DD-AFC4-6F175D3DCCD1}">
-              <a14:hiddenFill xmlns:a14="http://schemas.microsoft.com/office/drawing/2010/main">
-                <a:solidFill>
-                  <a:srgbClr val="FFFFFF"/>
-                </a:solidFill>
-              </a14:hiddenFill>
-            </a:ext>
-          </a:extLst>
-        </p:spPr>
-      </p:pic>
     </p:spTree>
     <p:extLst>
       <p:ext uri="{BB962C8B-B14F-4D97-AF65-F5344CB8AC3E}">
-        <p14:creationId xmlns:p14="http://schemas.microsoft.com/office/powerpoint/2010/main" val="2623210362"/>
+        <p14:creationId xmlns:p14="http://schemas.microsoft.com/office/powerpoint/2010/main" val="1919918993"/>
       </p:ext>
     </p:extLst>
   </p:cSld>

--- a/PPT/MachineLearning06-MatPlotLib.pptx
+++ b/PPT/MachineLearning06-MatPlotLib.pptx
@@ -615,35 +615,35 @@
           <a:p>
             <a:pPr lvl="0"/>
             <a:r>
-              <a:rPr lang="fr-FR" noProof="0" smtClean="0"/>
+              <a:rPr lang="fr-FR" noProof="0"/>
               <a:t>Cliquez pour modifier les styles du texte du masque</a:t>
             </a:r>
           </a:p>
           <a:p>
             <a:pPr lvl="1"/>
             <a:r>
-              <a:rPr lang="fr-FR" noProof="0" smtClean="0"/>
+              <a:rPr lang="fr-FR" noProof="0"/>
               <a:t>Deuxième niveau</a:t>
             </a:r>
           </a:p>
           <a:p>
             <a:pPr lvl="2"/>
             <a:r>
-              <a:rPr lang="fr-FR" noProof="0" smtClean="0"/>
+              <a:rPr lang="fr-FR" noProof="0"/>
               <a:t>Troisième niveau</a:t>
             </a:r>
           </a:p>
           <a:p>
             <a:pPr lvl="3"/>
             <a:r>
-              <a:rPr lang="fr-FR" noProof="0" smtClean="0"/>
+              <a:rPr lang="fr-FR" noProof="0"/>
               <a:t>Quatrième niveau</a:t>
             </a:r>
           </a:p>
           <a:p>
             <a:pPr lvl="4"/>
             <a:r>
-              <a:rPr lang="fr-FR" noProof="0" smtClean="0"/>
+              <a:rPr lang="fr-FR" noProof="0"/>
               <a:t>Cinquième niveau</a:t>
             </a:r>
           </a:p>
@@ -931,10 +931,9 @@
           <a:lstStyle/>
           <a:p>
             <a:r>
-              <a:rPr lang="fr-FR" smtClean="0"/>
+              <a:rPr lang="fr-FR"/>
               <a:t>Cliquez pour modifier le style du titre</a:t>
             </a:r>
-            <a:endParaRPr lang="fr-FR"/>
           </a:p>
         </p:txBody>
       </p:sp>
@@ -996,10 +995,9 @@
           </a:lstStyle>
           <a:p>
             <a:r>
-              <a:rPr lang="fr-FR" smtClean="0"/>
+              <a:rPr lang="fr-FR"/>
               <a:t>Cliquez pour modifier le style des sous-titres du masque</a:t>
             </a:r>
-            <a:endParaRPr lang="fr-FR"/>
           </a:p>
         </p:txBody>
       </p:sp>
@@ -1054,10 +1052,9 @@
           <a:lstStyle/>
           <a:p>
             <a:r>
-              <a:rPr lang="fr-FR" smtClean="0"/>
+              <a:rPr lang="fr-FR"/>
               <a:t>Cliquez pour modifier le style du titre</a:t>
             </a:r>
-            <a:endParaRPr lang="fr-FR"/>
           </a:p>
         </p:txBody>
       </p:sp>
@@ -1083,38 +1080,37 @@
           <a:p>
             <a:pPr lvl="0"/>
             <a:r>
-              <a:rPr lang="fr-FR" smtClean="0"/>
+              <a:rPr lang="fr-FR"/>
               <a:t>Cliquez pour modifier les styles du texte du masque</a:t>
             </a:r>
           </a:p>
           <a:p>
             <a:pPr lvl="1"/>
             <a:r>
-              <a:rPr lang="fr-FR" smtClean="0"/>
+              <a:rPr lang="fr-FR"/>
               <a:t>Deuxième niveau</a:t>
             </a:r>
           </a:p>
           <a:p>
             <a:pPr lvl="2"/>
             <a:r>
-              <a:rPr lang="fr-FR" smtClean="0"/>
+              <a:rPr lang="fr-FR"/>
               <a:t>Troisième niveau</a:t>
             </a:r>
           </a:p>
           <a:p>
             <a:pPr lvl="3"/>
             <a:r>
-              <a:rPr lang="fr-FR" smtClean="0"/>
+              <a:rPr lang="fr-FR"/>
               <a:t>Quatrième niveau</a:t>
             </a:r>
           </a:p>
           <a:p>
             <a:pPr lvl="4"/>
             <a:r>
-              <a:rPr lang="fr-FR" smtClean="0"/>
+              <a:rPr lang="fr-FR"/>
               <a:t>Cinquième niveau</a:t>
             </a:r>
-            <a:endParaRPr lang="fr-FR"/>
           </a:p>
         </p:txBody>
       </p:sp>
@@ -1173,10 +1169,9 @@
           </a:lstStyle>
           <a:p>
             <a:r>
-              <a:rPr lang="fr-FR" dirty="0" smtClean="0"/>
+              <a:rPr lang="fr-FR" dirty="0"/>
               <a:t>Cliquez pour modifier le style du titre</a:t>
             </a:r>
-            <a:endParaRPr lang="fr-FR" dirty="0"/>
           </a:p>
         </p:txBody>
       </p:sp>
@@ -1202,38 +1197,37 @@
           <a:p>
             <a:pPr lvl="0"/>
             <a:r>
-              <a:rPr lang="fr-FR" dirty="0" smtClean="0"/>
+              <a:rPr lang="fr-FR" dirty="0"/>
               <a:t>Cliquez pour modifier les styles du texte du masque</a:t>
             </a:r>
           </a:p>
           <a:p>
             <a:pPr lvl="1"/>
             <a:r>
-              <a:rPr lang="fr-FR" dirty="0" smtClean="0"/>
+              <a:rPr lang="fr-FR" dirty="0"/>
               <a:t>Deuxième niveau</a:t>
             </a:r>
           </a:p>
           <a:p>
             <a:pPr lvl="2"/>
             <a:r>
-              <a:rPr lang="fr-FR" dirty="0" smtClean="0"/>
+              <a:rPr lang="fr-FR" dirty="0"/>
               <a:t>Troisième niveau</a:t>
             </a:r>
           </a:p>
           <a:p>
             <a:pPr lvl="3"/>
             <a:r>
-              <a:rPr lang="fr-FR" dirty="0" smtClean="0"/>
+              <a:rPr lang="fr-FR" dirty="0"/>
               <a:t>Quatrième niveau</a:t>
             </a:r>
           </a:p>
           <a:p>
             <a:pPr lvl="4"/>
             <a:r>
-              <a:rPr lang="fr-FR" dirty="0" smtClean="0"/>
+              <a:rPr lang="fr-FR" dirty="0"/>
               <a:t>Cinquième niveau</a:t>
             </a:r>
-            <a:endParaRPr lang="fr-FR" dirty="0"/>
           </a:p>
         </p:txBody>
       </p:sp>
@@ -1283,10 +1277,9 @@
           <a:lstStyle/>
           <a:p>
             <a:r>
-              <a:rPr lang="fr-FR" smtClean="0"/>
+              <a:rPr lang="fr-FR"/>
               <a:t>Cliquez pour modifier le style du titre</a:t>
             </a:r>
-            <a:endParaRPr lang="fr-FR"/>
           </a:p>
         </p:txBody>
       </p:sp>
@@ -1340,38 +1333,37 @@
           <a:p>
             <a:pPr lvl="0"/>
             <a:r>
-              <a:rPr lang="fr-FR" smtClean="0"/>
+              <a:rPr lang="fr-FR"/>
               <a:t>Cliquez pour modifier les styles du texte du masque</a:t>
             </a:r>
           </a:p>
           <a:p>
             <a:pPr lvl="1"/>
             <a:r>
-              <a:rPr lang="fr-FR" smtClean="0"/>
+              <a:rPr lang="fr-FR"/>
               <a:t>Deuxième niveau</a:t>
             </a:r>
           </a:p>
           <a:p>
             <a:pPr lvl="2"/>
             <a:r>
-              <a:rPr lang="fr-FR" smtClean="0"/>
+              <a:rPr lang="fr-FR"/>
               <a:t>Troisième niveau</a:t>
             </a:r>
           </a:p>
           <a:p>
             <a:pPr lvl="3"/>
             <a:r>
-              <a:rPr lang="fr-FR" smtClean="0"/>
+              <a:rPr lang="fr-FR"/>
               <a:t>Quatrième niveau</a:t>
             </a:r>
           </a:p>
           <a:p>
             <a:pPr lvl="4"/>
             <a:r>
-              <a:rPr lang="fr-FR" smtClean="0"/>
+              <a:rPr lang="fr-FR"/>
               <a:t>Cinquième niveau</a:t>
             </a:r>
-            <a:endParaRPr lang="fr-FR"/>
           </a:p>
         </p:txBody>
       </p:sp>
@@ -1425,38 +1417,37 @@
           <a:p>
             <a:pPr lvl="0"/>
             <a:r>
-              <a:rPr lang="fr-FR" smtClean="0"/>
+              <a:rPr lang="fr-FR"/>
               <a:t>Cliquez pour modifier les styles du texte du masque</a:t>
             </a:r>
           </a:p>
           <a:p>
             <a:pPr lvl="1"/>
             <a:r>
-              <a:rPr lang="fr-FR" smtClean="0"/>
+              <a:rPr lang="fr-FR"/>
               <a:t>Deuxième niveau</a:t>
             </a:r>
           </a:p>
           <a:p>
             <a:pPr lvl="2"/>
             <a:r>
-              <a:rPr lang="fr-FR" smtClean="0"/>
+              <a:rPr lang="fr-FR"/>
               <a:t>Troisième niveau</a:t>
             </a:r>
           </a:p>
           <a:p>
             <a:pPr lvl="3"/>
             <a:r>
-              <a:rPr lang="fr-FR" smtClean="0"/>
+              <a:rPr lang="fr-FR"/>
               <a:t>Quatrième niveau</a:t>
             </a:r>
           </a:p>
           <a:p>
             <a:pPr lvl="4"/>
             <a:r>
-              <a:rPr lang="fr-FR" smtClean="0"/>
+              <a:rPr lang="fr-FR"/>
               <a:t>Cinquième niveau</a:t>
             </a:r>
-            <a:endParaRPr lang="fr-FR"/>
           </a:p>
         </p:txBody>
       </p:sp>
@@ -1515,10 +1506,9 @@
           </a:lstStyle>
           <a:p>
             <a:r>
-              <a:rPr lang="fr-FR" smtClean="0"/>
+              <a:rPr lang="fr-FR"/>
               <a:t>Cliquez pour modifier le style du titre</a:t>
             </a:r>
-            <a:endParaRPr lang="fr-FR"/>
           </a:p>
         </p:txBody>
       </p:sp>
@@ -1581,7 +1571,7 @@
           <a:p>
             <a:pPr lvl="0"/>
             <a:r>
-              <a:rPr lang="fr-FR" smtClean="0"/>
+              <a:rPr lang="fr-FR"/>
               <a:t>Cliquez pour modifier les styles du texte du masque</a:t>
             </a:r>
           </a:p>
@@ -1637,38 +1627,37 @@
           <a:p>
             <a:pPr lvl="0"/>
             <a:r>
-              <a:rPr lang="fr-FR" smtClean="0"/>
+              <a:rPr lang="fr-FR"/>
               <a:t>Cliquez pour modifier les styles du texte du masque</a:t>
             </a:r>
           </a:p>
           <a:p>
             <a:pPr lvl="1"/>
             <a:r>
-              <a:rPr lang="fr-FR" smtClean="0"/>
+              <a:rPr lang="fr-FR"/>
               <a:t>Deuxième niveau</a:t>
             </a:r>
           </a:p>
           <a:p>
             <a:pPr lvl="2"/>
             <a:r>
-              <a:rPr lang="fr-FR" smtClean="0"/>
+              <a:rPr lang="fr-FR"/>
               <a:t>Troisième niveau</a:t>
             </a:r>
           </a:p>
           <a:p>
             <a:pPr lvl="3"/>
             <a:r>
-              <a:rPr lang="fr-FR" smtClean="0"/>
+              <a:rPr lang="fr-FR"/>
               <a:t>Quatrième niveau</a:t>
             </a:r>
           </a:p>
           <a:p>
             <a:pPr lvl="4"/>
             <a:r>
-              <a:rPr lang="fr-FR" smtClean="0"/>
+              <a:rPr lang="fr-FR"/>
               <a:t>Cinquième niveau</a:t>
             </a:r>
-            <a:endParaRPr lang="fr-FR"/>
           </a:p>
         </p:txBody>
       </p:sp>
@@ -1731,7 +1720,7 @@
           <a:p>
             <a:pPr lvl="0"/>
             <a:r>
-              <a:rPr lang="fr-FR" smtClean="0"/>
+              <a:rPr lang="fr-FR"/>
               <a:t>Cliquez pour modifier les styles du texte du masque</a:t>
             </a:r>
           </a:p>
@@ -1787,38 +1776,37 @@
           <a:p>
             <a:pPr lvl="0"/>
             <a:r>
-              <a:rPr lang="fr-FR" smtClean="0"/>
+              <a:rPr lang="fr-FR"/>
               <a:t>Cliquez pour modifier les styles du texte du masque</a:t>
             </a:r>
           </a:p>
           <a:p>
             <a:pPr lvl="1"/>
             <a:r>
-              <a:rPr lang="fr-FR" smtClean="0"/>
+              <a:rPr lang="fr-FR"/>
               <a:t>Deuxième niveau</a:t>
             </a:r>
           </a:p>
           <a:p>
             <a:pPr lvl="2"/>
             <a:r>
-              <a:rPr lang="fr-FR" smtClean="0"/>
+              <a:rPr lang="fr-FR"/>
               <a:t>Troisième niveau</a:t>
             </a:r>
           </a:p>
           <a:p>
             <a:pPr lvl="3"/>
             <a:r>
-              <a:rPr lang="fr-FR" smtClean="0"/>
+              <a:rPr lang="fr-FR"/>
               <a:t>Quatrième niveau</a:t>
             </a:r>
           </a:p>
           <a:p>
             <a:pPr lvl="4"/>
             <a:r>
-              <a:rPr lang="fr-FR" smtClean="0"/>
+              <a:rPr lang="fr-FR"/>
               <a:t>Cinquième niveau</a:t>
             </a:r>
-            <a:endParaRPr lang="fr-FR"/>
           </a:p>
         </p:txBody>
       </p:sp>
@@ -1868,10 +1856,9 @@
           <a:lstStyle/>
           <a:p>
             <a:r>
-              <a:rPr lang="fr-FR" smtClean="0"/>
+              <a:rPr lang="fr-FR"/>
               <a:t>Cliquez pour modifier le style du titre</a:t>
             </a:r>
-            <a:endParaRPr lang="fr-FR"/>
           </a:p>
         </p:txBody>
       </p:sp>
@@ -1960,10 +1947,9 @@
           </a:lstStyle>
           <a:p>
             <a:r>
-              <a:rPr lang="fr-FR" smtClean="0"/>
+              <a:rPr lang="fr-FR"/>
               <a:t>Cliquez pour modifier le style du titre</a:t>
             </a:r>
-            <a:endParaRPr lang="fr-FR"/>
           </a:p>
         </p:txBody>
       </p:sp>
@@ -2017,38 +2003,37 @@
           <a:p>
             <a:pPr lvl="0"/>
             <a:r>
-              <a:rPr lang="fr-FR" smtClean="0"/>
+              <a:rPr lang="fr-FR"/>
               <a:t>Cliquez pour modifier les styles du texte du masque</a:t>
             </a:r>
           </a:p>
           <a:p>
             <a:pPr lvl="1"/>
             <a:r>
-              <a:rPr lang="fr-FR" smtClean="0"/>
+              <a:rPr lang="fr-FR"/>
               <a:t>Deuxième niveau</a:t>
             </a:r>
           </a:p>
           <a:p>
             <a:pPr lvl="2"/>
             <a:r>
-              <a:rPr lang="fr-FR" smtClean="0"/>
+              <a:rPr lang="fr-FR"/>
               <a:t>Troisième niveau</a:t>
             </a:r>
           </a:p>
           <a:p>
             <a:pPr lvl="3"/>
             <a:r>
-              <a:rPr lang="fr-FR" smtClean="0"/>
+              <a:rPr lang="fr-FR"/>
               <a:t>Quatrième niveau</a:t>
             </a:r>
           </a:p>
           <a:p>
             <a:pPr lvl="4"/>
             <a:r>
-              <a:rPr lang="fr-FR" smtClean="0"/>
+              <a:rPr lang="fr-FR"/>
               <a:t>Cinquième niveau</a:t>
             </a:r>
-            <a:endParaRPr lang="fr-FR"/>
           </a:p>
         </p:txBody>
       </p:sp>
@@ -2111,7 +2096,7 @@
           <a:p>
             <a:pPr lvl="0"/>
             <a:r>
-              <a:rPr lang="fr-FR" smtClean="0"/>
+              <a:rPr lang="fr-FR"/>
               <a:t>Cliquez pour modifier les styles du texte du masque</a:t>
             </a:r>
           </a:p>
@@ -2172,10 +2157,9 @@
           </a:lstStyle>
           <a:p>
             <a:r>
-              <a:rPr lang="fr-FR" smtClean="0"/>
+              <a:rPr lang="fr-FR"/>
               <a:t>Cliquez pour modifier le style du titre</a:t>
             </a:r>
-            <a:endParaRPr lang="fr-FR"/>
           </a:p>
         </p:txBody>
       </p:sp>
@@ -2237,7 +2221,7 @@
           </a:lstStyle>
           <a:p>
             <a:pPr lvl="0"/>
-            <a:endParaRPr lang="fr-FR" noProof="0" smtClean="0"/>
+            <a:endParaRPr lang="fr-FR" noProof="0"/>
           </a:p>
         </p:txBody>
       </p:sp>
@@ -2300,7 +2284,7 @@
           <a:p>
             <a:pPr lvl="0"/>
             <a:r>
-              <a:rPr lang="fr-FR" smtClean="0"/>
+              <a:rPr lang="fr-FR"/>
               <a:t>Cliquez pour modifier les styles du texte du masque</a:t>
             </a:r>
           </a:p>
@@ -2352,10 +2336,9 @@
           <a:lstStyle/>
           <a:p>
             <a:r>
-              <a:rPr lang="fr-FR" smtClean="0"/>
+              <a:rPr lang="fr-FR"/>
               <a:t>Cliquez pour modifier le style du titre</a:t>
             </a:r>
-            <a:endParaRPr lang="fr-FR"/>
           </a:p>
         </p:txBody>
       </p:sp>
@@ -2376,38 +2359,37 @@
           <a:p>
             <a:pPr lvl="0"/>
             <a:r>
-              <a:rPr lang="fr-FR" smtClean="0"/>
+              <a:rPr lang="fr-FR"/>
               <a:t>Cliquez pour modifier les styles du texte du masque</a:t>
             </a:r>
           </a:p>
           <a:p>
             <a:pPr lvl="1"/>
             <a:r>
-              <a:rPr lang="fr-FR" smtClean="0"/>
+              <a:rPr lang="fr-FR"/>
               <a:t>Deuxième niveau</a:t>
             </a:r>
           </a:p>
           <a:p>
             <a:pPr lvl="2"/>
             <a:r>
-              <a:rPr lang="fr-FR" smtClean="0"/>
+              <a:rPr lang="fr-FR"/>
               <a:t>Troisième niveau</a:t>
             </a:r>
           </a:p>
           <a:p>
             <a:pPr lvl="3"/>
             <a:r>
-              <a:rPr lang="fr-FR" smtClean="0"/>
+              <a:rPr lang="fr-FR"/>
               <a:t>Quatrième niveau</a:t>
             </a:r>
           </a:p>
           <a:p>
             <a:pPr lvl="4"/>
             <a:r>
-              <a:rPr lang="fr-FR" smtClean="0"/>
+              <a:rPr lang="fr-FR"/>
               <a:t>Cinquième niveau</a:t>
             </a:r>
-            <a:endParaRPr lang="fr-FR"/>
           </a:p>
         </p:txBody>
       </p:sp>
@@ -2588,7 +2570,7 @@
             <a:pPr eaLnBrk="1" hangingPunct="1">
               <a:defRPr/>
             </a:pPr>
-            <a:endParaRPr lang="fr-FR" altLang="fr-FR" smtClean="0"/>
+            <a:endParaRPr lang="fr-FR" altLang="fr-FR"/>
           </a:p>
         </p:txBody>
       </p:sp>
@@ -2742,7 +2724,7 @@
               <a:defRPr/>
             </a:pPr>
             <a:r>
-              <a:rPr lang="fr-FR" sz="1200" dirty="0" smtClean="0"/>
+              <a:rPr lang="fr-FR" sz="1200" dirty="0"/>
               <a:t>Page </a:t>
             </a:r>
             <a:fld id="{E218E9B1-FD08-4C80-902E-210BA2967D0D}" type="slidenum">
@@ -2755,7 +2737,7 @@
               </a:pPr>
               <a:t>‹N°›</a:t>
             </a:fld>
-            <a:endParaRPr lang="fr-FR" dirty="0" smtClean="0">
+            <a:endParaRPr lang="fr-FR" dirty="0">
               <a:latin typeface="Times New Roman" pitchFamily="18" charset="0"/>
             </a:endParaRPr>
           </a:p>
@@ -2911,10 +2893,10 @@
               <a:defRPr/>
             </a:pPr>
             <a:r>
-              <a:rPr lang="fr-FR" sz="1600" dirty="0" smtClean="0"/>
+              <a:rPr lang="fr-FR" sz="1600" dirty="0"/>
               <a:t>Python</a:t>
             </a:r>
-            <a:endParaRPr lang="fr-FR" dirty="0" smtClean="0">
+            <a:endParaRPr lang="fr-FR" dirty="0">
               <a:latin typeface="Times New Roman" pitchFamily="18" charset="0"/>
             </a:endParaRPr>
           </a:p>
@@ -2972,7 +2954,7 @@
           <a:p>
             <a:pPr lvl="0"/>
             <a:r>
-              <a:rPr lang="fr-FR" altLang="fr-FR" smtClean="0"/>
+              <a:rPr lang="fr-FR" altLang="fr-FR"/>
               <a:t>Cliquez pour modifier le style du titre du masque</a:t>
             </a:r>
           </a:p>
@@ -3030,35 +3012,35 @@
           <a:p>
             <a:pPr lvl="0"/>
             <a:r>
-              <a:rPr lang="fr-FR" altLang="fr-FR" smtClean="0"/>
+              <a:rPr lang="fr-FR" altLang="fr-FR"/>
               <a:t>Cliquez pour modifier les styles du texte du masque</a:t>
             </a:r>
           </a:p>
           <a:p>
             <a:pPr lvl="1"/>
             <a:r>
-              <a:rPr lang="fr-FR" altLang="fr-FR" smtClean="0"/>
+              <a:rPr lang="fr-FR" altLang="fr-FR"/>
               <a:t>Deuxième niveau</a:t>
             </a:r>
           </a:p>
           <a:p>
             <a:pPr lvl="2"/>
             <a:r>
-              <a:rPr lang="fr-FR" altLang="fr-FR" smtClean="0"/>
+              <a:rPr lang="fr-FR" altLang="fr-FR"/>
               <a:t>Troisième niveau</a:t>
             </a:r>
           </a:p>
           <a:p>
             <a:pPr lvl="3"/>
             <a:r>
-              <a:rPr lang="fr-FR" altLang="fr-FR" smtClean="0"/>
+              <a:rPr lang="fr-FR" altLang="fr-FR"/>
               <a:t>Quatrième niveau</a:t>
             </a:r>
           </a:p>
           <a:p>
             <a:pPr lvl="4"/>
             <a:r>
-              <a:rPr lang="fr-FR" altLang="fr-FR" smtClean="0"/>
+              <a:rPr lang="fr-FR" altLang="fr-FR"/>
               <a:t>Cinquième niveau</a:t>
             </a:r>
           </a:p>
@@ -3214,10 +3196,10 @@
               <a:defRPr/>
             </a:pPr>
             <a:r>
-              <a:rPr lang="fr-FR" sz="1200" smtClean="0"/>
+              <a:rPr lang="fr-FR" sz="1200"/>
               <a:t>© Cyril Vincent Conseil</a:t>
             </a:r>
-            <a:endParaRPr lang="fr-FR" smtClean="0">
+            <a:endParaRPr lang="fr-FR">
               <a:latin typeface="Times New Roman" pitchFamily="18" charset="0"/>
             </a:endParaRPr>
           </a:p>
@@ -3699,18 +3681,18 @@
           <a:p>
             <a:pPr eaLnBrk="1" hangingPunct="1"/>
             <a:r>
-              <a:rPr lang="fr-FR" altLang="fr-FR" smtClean="0"/>
+              <a:rPr lang="fr-FR" altLang="fr-FR"/>
               <a:t>Chapitre 6</a:t>
             </a:r>
-            <a:endParaRPr lang="fr-FR" altLang="fr-FR" dirty="0" smtClean="0"/>
+            <a:endParaRPr lang="fr-FR" altLang="fr-FR" dirty="0"/>
           </a:p>
           <a:p>
             <a:pPr eaLnBrk="1" hangingPunct="1"/>
             <a:r>
-              <a:rPr lang="fr-FR" altLang="fr-FR" dirty="0" err="1" smtClean="0"/>
+              <a:rPr lang="fr-FR" altLang="fr-FR" dirty="0" err="1"/>
               <a:t>MatPlotLib</a:t>
             </a:r>
-            <a:endParaRPr lang="fr-FR" altLang="fr-FR" dirty="0" smtClean="0"/>
+            <a:endParaRPr lang="fr-FR" altLang="fr-FR" dirty="0"/>
           </a:p>
         </p:txBody>
       </p:sp>
@@ -3761,10 +3743,9 @@
           <a:lstStyle/>
           <a:p>
             <a:r>
-              <a:rPr lang="fr-FR" sz="3600" dirty="0" smtClean="0"/>
+              <a:rPr lang="fr-FR" sz="3600" dirty="0"/>
               <a:t>Data Science</a:t>
             </a:r>
-            <a:endParaRPr lang="fr-FR" sz="3600" dirty="0"/>
           </a:p>
         </p:txBody>
       </p:sp>
@@ -3797,13 +3778,6 @@
   <p:clrMapOvr>
     <a:masterClrMapping/>
   </p:clrMapOvr>
-  <p:timing>
-    <p:tnLst>
-      <p:par>
-        <p:cTn id="1" dur="indefinite" restart="never" nodeType="tmRoot"/>
-      </p:par>
-    </p:tnLst>
-  </p:timing>
 </p:sld>
 </file>
 
@@ -3840,7 +3814,7 @@
           <a:lstStyle/>
           <a:p>
             <a:r>
-              <a:rPr lang="fr-FR" dirty="0" err="1" smtClean="0"/>
+              <a:rPr lang="fr-FR" dirty="0" err="1"/>
               <a:t>Jupyter</a:t>
             </a:r>
             <a:endParaRPr lang="fr-FR" dirty="0"/>
@@ -3953,11 +3927,11 @@
           <a:lstStyle/>
           <a:p>
             <a:r>
-              <a:rPr lang="fr-FR" dirty="0" smtClean="0"/>
+              <a:rPr lang="fr-FR" dirty="0"/>
               <a:t>Intégration </a:t>
             </a:r>
             <a:r>
-              <a:rPr lang="fr-FR" dirty="0" err="1" smtClean="0"/>
+              <a:rPr lang="fr-FR" dirty="0" err="1"/>
               <a:t>matplotlib</a:t>
             </a:r>
             <a:endParaRPr lang="fr-FR" dirty="0"/>
@@ -4070,11 +4044,11 @@
           <a:lstStyle/>
           <a:p>
             <a:r>
-              <a:rPr lang="fr-FR" dirty="0" smtClean="0"/>
+              <a:rPr lang="fr-FR" dirty="0"/>
               <a:t>Google </a:t>
             </a:r>
             <a:r>
-              <a:rPr lang="fr-FR" dirty="0" err="1" smtClean="0"/>
+              <a:rPr lang="fr-FR" dirty="0" err="1"/>
               <a:t>Colab</a:t>
             </a:r>
             <a:endParaRPr lang="fr-FR" dirty="0"/>
@@ -4170,7 +4144,7 @@
           <a:lstStyle/>
           <a:p>
             <a:r>
-              <a:rPr lang="fr-FR" dirty="0" err="1" smtClean="0"/>
+              <a:rPr lang="fr-FR" dirty="0" err="1"/>
               <a:t>MatPlotLib</a:t>
             </a:r>
             <a:endParaRPr lang="fr-FR" dirty="0"/>
@@ -4193,66 +4167,66 @@
           <a:lstStyle/>
           <a:p>
             <a:r>
-              <a:rPr lang="fr-FR" dirty="0" smtClean="0"/>
+              <a:rPr lang="fr-FR" dirty="0"/>
               <a:t>Package graphique 2D</a:t>
             </a:r>
           </a:p>
           <a:p>
             <a:r>
-              <a:rPr lang="fr-FR" dirty="0" smtClean="0"/>
+              <a:rPr lang="fr-FR" dirty="0"/>
               <a:t>Module Python</a:t>
             </a:r>
           </a:p>
           <a:p>
             <a:pPr lvl="1"/>
             <a:r>
-              <a:rPr lang="fr-FR" dirty="0" smtClean="0"/>
+              <a:rPr lang="fr-FR" dirty="0"/>
               <a:t>Disponible dans Anaconda</a:t>
             </a:r>
           </a:p>
           <a:p>
             <a:pPr lvl="1"/>
             <a:r>
-              <a:rPr lang="fr-FR" dirty="0" err="1" smtClean="0"/>
+              <a:rPr lang="fr-FR" dirty="0" err="1"/>
               <a:t>Pip</a:t>
             </a:r>
             <a:r>
-              <a:rPr lang="fr-FR" dirty="0" smtClean="0"/>
+              <a:rPr lang="fr-FR" dirty="0"/>
               <a:t> </a:t>
             </a:r>
             <a:r>
-              <a:rPr lang="fr-FR" dirty="0" err="1" smtClean="0"/>
+              <a:rPr lang="fr-FR" dirty="0" err="1"/>
               <a:t>install</a:t>
             </a:r>
             <a:r>
-              <a:rPr lang="fr-FR" dirty="0" smtClean="0"/>
+              <a:rPr lang="fr-FR" dirty="0"/>
               <a:t> </a:t>
             </a:r>
             <a:r>
-              <a:rPr lang="fr-FR" dirty="0" err="1" smtClean="0"/>
+              <a:rPr lang="fr-FR" dirty="0" err="1"/>
               <a:t>matplotlib</a:t>
             </a:r>
-            <a:endParaRPr lang="fr-FR" dirty="0" smtClean="0"/>
+            <a:endParaRPr lang="fr-FR" dirty="0"/>
           </a:p>
           <a:p>
             <a:pPr lvl="1"/>
             <a:r>
-              <a:rPr lang="fr-FR" dirty="0" smtClean="0"/>
+              <a:rPr lang="fr-FR" dirty="0"/>
               <a:t>import </a:t>
             </a:r>
             <a:r>
-              <a:rPr lang="fr-FR" dirty="0" err="1" smtClean="0"/>
+              <a:rPr lang="fr-FR" dirty="0" err="1"/>
               <a:t>matplotlib.pyplot</a:t>
             </a:r>
             <a:r>
-              <a:rPr lang="fr-FR" dirty="0" smtClean="0"/>
+              <a:rPr lang="fr-FR" dirty="0"/>
               <a:t> as </a:t>
             </a:r>
             <a:r>
-              <a:rPr lang="fr-FR" dirty="0" err="1" smtClean="0"/>
+              <a:rPr lang="fr-FR" dirty="0" err="1"/>
               <a:t>plt</a:t>
             </a:r>
-            <a:endParaRPr lang="fr-FR" dirty="0" smtClean="0"/>
+            <a:endParaRPr lang="fr-FR" dirty="0"/>
           </a:p>
         </p:txBody>
       </p:sp>
@@ -4290,13 +4264,6 @@
   <p:clrMapOvr>
     <a:masterClrMapping/>
   </p:clrMapOvr>
-  <p:timing>
-    <p:tnLst>
-      <p:par>
-        <p:cTn id="1" dur="indefinite" restart="never" nodeType="tmRoot"/>
-      </p:par>
-    </p:tnLst>
-  </p:timing>
 </p:sld>
 </file>
 
@@ -4389,13 +4356,6 @@
   <p:clrMapOvr>
     <a:masterClrMapping/>
   </p:clrMapOvr>
-  <p:timing>
-    <p:tnLst>
-      <p:par>
-        <p:cTn id="1" dur="indefinite" restart="never" nodeType="tmRoot"/>
-      </p:par>
-    </p:tnLst>
-  </p:timing>
 </p:sld>
 </file>
 
@@ -4432,10 +4392,9 @@
           <a:lstStyle/>
           <a:p>
             <a:r>
-              <a:rPr lang="fr-FR" dirty="0" smtClean="0"/>
+              <a:rPr lang="fr-FR" dirty="0"/>
               <a:t>plot</a:t>
             </a:r>
-            <a:endParaRPr lang="fr-FR" dirty="0"/>
           </a:p>
         </p:txBody>
       </p:sp>
@@ -4455,15 +4414,15 @@
           <a:lstStyle/>
           <a:p>
             <a:r>
-              <a:rPr lang="fr-FR" dirty="0" smtClean="0"/>
+              <a:rPr lang="fr-FR" dirty="0"/>
               <a:t>plot(</a:t>
             </a:r>
             <a:r>
-              <a:rPr lang="fr-FR" dirty="0" err="1" smtClean="0"/>
+              <a:rPr lang="fr-FR" dirty="0" err="1"/>
               <a:t>x,y</a:t>
             </a:r>
             <a:r>
-              <a:rPr lang="fr-FR" dirty="0" smtClean="0"/>
+              <a:rPr lang="fr-FR" dirty="0"/>
               <a:t>)</a:t>
             </a:r>
           </a:p>
@@ -4471,32 +4430,20 @@
             <a:pPr lvl="1"/>
             <a:r>
               <a:rPr lang="fr-FR" dirty="0"/>
-              <a:t>x</a:t>
-            </a:r>
-            <a:r>
-              <a:rPr lang="fr-FR" dirty="0" smtClean="0"/>
-              <a:t> et y sont les listes à 1 dimension de même longueur</a:t>
+              <a:t>x et y sont les listes à 1 dimension de même longueur</a:t>
             </a:r>
           </a:p>
           <a:p>
             <a:r>
               <a:rPr lang="fr-FR" dirty="0"/>
-              <a:t>p</a:t>
-            </a:r>
-            <a:r>
-              <a:rPr lang="fr-FR" dirty="0" smtClean="0"/>
-              <a:t>lot(y)</a:t>
+              <a:t>plot(y)</a:t>
             </a:r>
           </a:p>
           <a:p>
             <a:pPr lvl="1"/>
             <a:r>
               <a:rPr lang="fr-FR" dirty="0"/>
-              <a:t>x</a:t>
-            </a:r>
-            <a:r>
-              <a:rPr lang="fr-FR" dirty="0" smtClean="0"/>
-              <a:t> sera un range[0,len(y)]</a:t>
+              <a:t>x sera un range[0,len(y)]</a:t>
             </a:r>
           </a:p>
           <a:p>
@@ -4509,39 +4456,38 @@
               <a:t>bo</a:t>
             </a:r>
             <a:r>
-              <a:rPr lang="fr-FR" dirty="0" smtClean="0"/>
+              <a:rPr lang="fr-FR" dirty="0"/>
               <a:t>')</a:t>
             </a:r>
           </a:p>
           <a:p>
             <a:pPr lvl="1"/>
             <a:r>
-              <a:rPr lang="fr-FR" dirty="0" smtClean="0"/>
+              <a:rPr lang="fr-FR" dirty="0"/>
               <a:t>Le troisième paramètre est le style</a:t>
             </a:r>
           </a:p>
           <a:p>
             <a:pPr lvl="1"/>
             <a:r>
-              <a:rPr lang="fr-FR" dirty="0" smtClean="0"/>
+              <a:rPr lang="fr-FR" dirty="0"/>
               <a:t>Le premier caractère est la couleur</a:t>
             </a:r>
           </a:p>
           <a:p>
             <a:pPr lvl="1"/>
             <a:r>
-              <a:rPr lang="fr-FR" dirty="0" smtClean="0"/>
+              <a:rPr lang="fr-FR" dirty="0"/>
               <a:t>Le 2</a:t>
             </a:r>
             <a:r>
-              <a:rPr lang="fr-FR" baseline="30000" dirty="0" smtClean="0"/>
+              <a:rPr lang="fr-FR" baseline="30000" dirty="0"/>
               <a:t>ème</a:t>
             </a:r>
             <a:r>
-              <a:rPr lang="fr-FR" dirty="0" smtClean="0"/>
+              <a:rPr lang="fr-FR" dirty="0"/>
               <a:t> caractère est le style</a:t>
             </a:r>
-            <a:endParaRPr lang="fr-FR" dirty="0"/>
           </a:p>
         </p:txBody>
       </p:sp>
@@ -4579,13 +4525,6 @@
   <p:clrMapOvr>
     <a:masterClrMapping/>
   </p:clrMapOvr>
-  <p:timing>
-    <p:tnLst>
-      <p:par>
-        <p:cTn id="1" dur="indefinite" restart="never" nodeType="tmRoot"/>
-      </p:par>
-    </p:tnLst>
-  </p:timing>
 </p:sld>
 </file>
 
@@ -4622,10 +4561,9 @@
           <a:lstStyle/>
           <a:p>
             <a:r>
-              <a:rPr lang="fr-FR" dirty="0" smtClean="0"/>
+              <a:rPr lang="fr-FR" dirty="0"/>
               <a:t>Styles</a:t>
             </a:r>
-            <a:endParaRPr lang="fr-FR" dirty="0"/>
           </a:p>
         </p:txBody>
       </p:sp>
@@ -4650,7 +4588,7 @@
           <a:lstStyle/>
           <a:p>
             <a:r>
-              <a:rPr lang="fr-FR" dirty="0" smtClean="0"/>
+              <a:rPr lang="fr-FR" dirty="0"/>
               <a:t>Il peut y avoir plusieurs courbes</a:t>
             </a:r>
           </a:p>
@@ -4662,111 +4600,107 @@
             </a:r>
             <a:r>
               <a:rPr lang="es-ES" dirty="0"/>
-              <a:t>(x1, y1, 'g^', x2, y2, 'g-</a:t>
-            </a:r>
-            <a:r>
-              <a:rPr lang="es-ES" dirty="0" smtClean="0"/>
-              <a:t>')</a:t>
+              <a:t>(x1, y1, 'g^', x2, y2, 'g-')</a:t>
             </a:r>
           </a:p>
           <a:p>
             <a:pPr lvl="1"/>
             <a:r>
-              <a:rPr lang="es-ES" dirty="0" err="1" smtClean="0"/>
+              <a:rPr lang="es-ES" dirty="0" err="1"/>
               <a:t>Chaque</a:t>
             </a:r>
             <a:r>
-              <a:rPr lang="es-ES" dirty="0" smtClean="0"/>
+              <a:rPr lang="es-ES" dirty="0"/>
               <a:t> </a:t>
             </a:r>
             <a:r>
-              <a:rPr lang="es-ES" dirty="0" err="1" smtClean="0"/>
+              <a:rPr lang="es-ES" dirty="0" err="1"/>
               <a:t>ligne</a:t>
             </a:r>
             <a:r>
-              <a:rPr lang="es-ES" dirty="0" smtClean="0"/>
+              <a:rPr lang="es-ES" dirty="0"/>
               <a:t> </a:t>
             </a:r>
             <a:r>
-              <a:rPr lang="es-ES" dirty="0" err="1" smtClean="0"/>
+              <a:rPr lang="es-ES" dirty="0" err="1"/>
               <a:t>possède</a:t>
             </a:r>
             <a:r>
-              <a:rPr lang="es-ES" dirty="0" smtClean="0"/>
+              <a:rPr lang="es-ES" dirty="0"/>
               <a:t> par </a:t>
             </a:r>
             <a:r>
-              <a:rPr lang="es-ES" dirty="0" err="1" smtClean="0"/>
+              <a:rPr lang="es-ES" dirty="0" err="1"/>
               <a:t>défaut</a:t>
             </a:r>
             <a:r>
-              <a:rPr lang="es-ES" dirty="0" smtClean="0"/>
+              <a:rPr lang="es-ES" dirty="0"/>
               <a:t> un </a:t>
             </a:r>
             <a:r>
-              <a:rPr lang="es-ES" dirty="0" err="1" smtClean="0"/>
+              <a:rPr lang="es-ES" dirty="0" err="1"/>
               <a:t>style</a:t>
             </a:r>
             <a:r>
-              <a:rPr lang="es-ES" dirty="0" smtClean="0"/>
+              <a:rPr lang="es-ES" dirty="0"/>
               <a:t> de </a:t>
             </a:r>
             <a:r>
-              <a:rPr lang="es-ES" dirty="0" err="1" smtClean="0"/>
+              <a:rPr lang="es-ES" dirty="0" err="1"/>
               <a:t>ligne</a:t>
             </a:r>
             <a:r>
-              <a:rPr lang="es-ES" dirty="0" smtClean="0"/>
+              <a:rPr lang="es-ES" dirty="0"/>
               <a:t> </a:t>
             </a:r>
             <a:r>
-              <a:rPr lang="es-ES" dirty="0" err="1" smtClean="0"/>
+              <a:rPr lang="es-ES" dirty="0" err="1"/>
               <a:t>différent</a:t>
             </a:r>
-            <a:endParaRPr lang="es-ES" dirty="0" smtClean="0"/>
-          </a:p>
-          <a:p>
-            <a:r>
-              <a:rPr lang="es-ES" dirty="0" smtClean="0"/>
+            <a:endParaRPr lang="es-ES" dirty="0"/>
+          </a:p>
+          <a:p>
+            <a:r>
+              <a:rPr lang="es-ES" dirty="0"/>
               <a:t>Le </a:t>
             </a:r>
             <a:r>
-              <a:rPr lang="es-ES" dirty="0" err="1" smtClean="0"/>
+              <a:rPr lang="es-ES" dirty="0" err="1"/>
               <a:t>retour</a:t>
             </a:r>
             <a:r>
-              <a:rPr lang="es-ES" dirty="0" smtClean="0"/>
+              <a:rPr lang="es-ES" dirty="0"/>
               <a:t> de </a:t>
             </a:r>
             <a:r>
-              <a:rPr lang="es-ES" dirty="0" err="1" smtClean="0"/>
+              <a:rPr lang="es-ES" dirty="0" err="1"/>
               <a:t>plot</a:t>
             </a:r>
             <a:r>
-              <a:rPr lang="es-ES" dirty="0" smtClean="0"/>
+              <a:rPr lang="es-ES" dirty="0"/>
               <a:t> </a:t>
             </a:r>
             <a:r>
-              <a:rPr lang="es-ES" dirty="0" err="1" smtClean="0"/>
+              <a:rPr lang="es-ES" dirty="0" err="1"/>
               <a:t>est</a:t>
             </a:r>
             <a:r>
-              <a:rPr lang="es-ES" dirty="0" smtClean="0"/>
+              <a:rPr lang="es-ES" dirty="0"/>
               <a:t> la liste des </a:t>
             </a:r>
             <a:r>
-              <a:rPr lang="es-ES" dirty="0" err="1" smtClean="0"/>
+              <a:rPr lang="es-ES" dirty="0" err="1"/>
               <a:t>lignes</a:t>
             </a:r>
             <a:r>
-              <a:rPr lang="es-ES" dirty="0" smtClean="0"/>
+              <a:rPr lang="es-ES" dirty="0"/>
               <a:t> </a:t>
             </a:r>
             <a:r>
-              <a:rPr lang="es-ES" dirty="0" err="1" smtClean="0"/>
+              <a:rPr lang="es-ES" dirty="0" err="1"/>
               <a:t>calculées</a:t>
             </a:r>
-            <a:endParaRPr lang="es-ES" dirty="0" smtClean="0"/>
+            <a:endParaRPr lang="es-ES" dirty="0"/>
           </a:p>
           <a:p>
             <a:endParaRPr lang="fr-FR" dirty="0"/>
@@ -4807,13 +4741,6 @@
   <p:clrMapOvr>
     <a:masterClrMapping/>
   </p:clrMapOvr>
-  <p:timing>
-    <p:tnLst>
-      <p:par>
-        <p:cTn id="1" dur="indefinite" restart="never" nodeType="tmRoot"/>
-      </p:par>
-    </p:tnLst>
-  </p:timing>
 </p:sld>
 </file>
 
@@ -4850,10 +4777,9 @@
           <a:lstStyle/>
           <a:p>
             <a:r>
-              <a:rPr lang="fr-FR" dirty="0" smtClean="0"/>
+              <a:rPr lang="fr-FR" dirty="0"/>
               <a:t>Paramètres dictionnaires</a:t>
             </a:r>
-            <a:endParaRPr lang="fr-FR" dirty="0"/>
           </a:p>
         </p:txBody>
       </p:sp>
@@ -4873,14 +4799,14 @@
           <a:lstStyle/>
           <a:p>
             <a:r>
-              <a:rPr lang="fr-FR" dirty="0" smtClean="0"/>
+              <a:rPr lang="fr-FR" dirty="0"/>
               <a:t>Il existe de nombreux paramètres **</a:t>
             </a:r>
             <a:r>
-              <a:rPr lang="fr-FR" dirty="0" err="1" smtClean="0"/>
+              <a:rPr lang="fr-FR" dirty="0" err="1"/>
               <a:t>kwargs</a:t>
             </a:r>
-            <a:endParaRPr lang="fr-FR" dirty="0" smtClean="0"/>
+            <a:endParaRPr lang="fr-FR" dirty="0"/>
           </a:p>
           <a:p>
             <a:pPr lvl="1"/>
@@ -4901,11 +4827,7 @@
             </a:r>
             <a:r>
               <a:rPr lang="en-US" dirty="0"/>
-              <a:t>',  label='line 2</a:t>
-            </a:r>
-            <a:r>
-              <a:rPr lang="en-US" dirty="0" smtClean="0"/>
-              <a:t>')</a:t>
+              <a:t>',  label='line 2')</a:t>
             </a:r>
           </a:p>
           <a:p>
@@ -4924,11 +4846,7 @@
             </a:r>
             <a:r>
               <a:rPr lang="es-ES" dirty="0"/>
-              <a:t>=False</a:t>
-            </a:r>
-            <a:r>
-              <a:rPr lang="es-ES" dirty="0" smtClean="0"/>
-              <a:t>)</a:t>
+              <a:t>=False)</a:t>
             </a:r>
           </a:p>
           <a:p>
@@ -4959,14 +4877,10 @@
             </a:r>
             <a:r>
               <a:rPr lang="fr-FR" dirty="0"/>
-              <a:t>', marker='o</a:t>
-            </a:r>
-            <a:r>
-              <a:rPr lang="fr-FR" dirty="0" smtClean="0"/>
-              <a:t>', </a:t>
-            </a:r>
-            <a:r>
-              <a:rPr lang="fr-FR" dirty="0" err="1" smtClean="0"/>
+              <a:t>', marker='o', </a:t>
+            </a:r>
+            <a:r>
+              <a:rPr lang="fr-FR" dirty="0" err="1"/>
               <a:t>markerfacecolor</a:t>
             </a:r>
             <a:r>
@@ -5002,13 +4916,6 @@
   <p:clrMapOvr>
     <a:masterClrMapping/>
   </p:clrMapOvr>
-  <p:timing>
-    <p:tnLst>
-      <p:par>
-        <p:cTn id="1" dur="indefinite" restart="never" nodeType="tmRoot"/>
-      </p:par>
-    </p:tnLst>
-  </p:timing>
 </p:sld>
 </file>
 
@@ -5045,10 +4952,9 @@
           <a:lstStyle/>
           <a:p>
             <a:r>
-              <a:rPr lang="fr-FR" dirty="0" smtClean="0"/>
+              <a:rPr lang="fr-FR" dirty="0"/>
               <a:t>Paramètres dictionnaires</a:t>
             </a:r>
-            <a:endParaRPr lang="fr-FR" dirty="0"/>
           </a:p>
         </p:txBody>
       </p:sp>
@@ -5068,10 +4974,9 @@
           <a:lstStyle/>
           <a:p>
             <a:r>
-              <a:rPr lang="fr-FR" dirty="0" smtClean="0"/>
+              <a:rPr lang="fr-FR" dirty="0"/>
               <a:t>Il existe de nombreux autres paramètres</a:t>
             </a:r>
-            <a:endParaRPr lang="fr-FR" dirty="0"/>
           </a:p>
         </p:txBody>
       </p:sp>
@@ -5109,13 +5014,6 @@
   <p:clrMapOvr>
     <a:masterClrMapping/>
   </p:clrMapOvr>
-  <p:timing>
-    <p:tnLst>
-      <p:par>
-        <p:cTn id="1" dur="indefinite" restart="never" nodeType="tmRoot"/>
-      </p:par>
-    </p:tnLst>
-  </p:timing>
 </p:sld>
 </file>
 
@@ -5152,10 +5050,9 @@
           <a:lstStyle/>
           <a:p>
             <a:r>
-              <a:rPr lang="fr-FR" dirty="0" smtClean="0"/>
+              <a:rPr lang="fr-FR" dirty="0"/>
               <a:t>Paramètres dictionnaires</a:t>
             </a:r>
-            <a:endParaRPr lang="fr-FR" dirty="0"/>
           </a:p>
         </p:txBody>
       </p:sp>
@@ -5175,10 +5072,9 @@
           <a:lstStyle/>
           <a:p>
             <a:r>
-              <a:rPr lang="fr-FR" dirty="0" smtClean="0"/>
+              <a:rPr lang="fr-FR" dirty="0"/>
               <a:t>Il existe de nombreux autres paramètres</a:t>
             </a:r>
-            <a:endParaRPr lang="fr-FR" dirty="0"/>
           </a:p>
         </p:txBody>
       </p:sp>
@@ -5216,13 +5112,6 @@
   <p:clrMapOvr>
     <a:masterClrMapping/>
   </p:clrMapOvr>
-  <p:timing>
-    <p:tnLst>
-      <p:par>
-        <p:cTn id="1" dur="indefinite" restart="never" nodeType="tmRoot"/>
-      </p:par>
-    </p:tnLst>
-  </p:timing>
 </p:sld>
 </file>
 
@@ -5259,10 +5148,9 @@
           <a:lstStyle/>
           <a:p>
             <a:r>
-              <a:rPr lang="fr-FR" dirty="0" smtClean="0"/>
+              <a:rPr lang="fr-FR" dirty="0"/>
               <a:t>show</a:t>
             </a:r>
-            <a:endParaRPr lang="fr-FR" dirty="0"/>
           </a:p>
         </p:txBody>
       </p:sp>
@@ -5282,14 +5170,22 @@
           <a:lstStyle/>
           <a:p>
             <a:r>
-              <a:rPr lang="fr-FR" dirty="0" smtClean="0"/>
-              <a:t>Il peut y avoir plusieurs commande par </a:t>
-            </a:r>
-            <a:r>
-              <a:rPr lang="fr-FR" dirty="0" err="1" smtClean="0"/>
+              <a:rPr lang="fr-FR" dirty="0"/>
+              <a:t>Il peut y avoir </a:t>
+            </a:r>
+            <a:r>
+              <a:rPr lang="fr-FR"/>
+              <a:t>plusieurs commandes </a:t>
+            </a:r>
+            <a:r>
+              <a:rPr lang="fr-FR" dirty="0"/>
+              <a:t>par </a:t>
+            </a:r>
+            <a:r>
+              <a:rPr lang="fr-FR" dirty="0" err="1"/>
               <a:t>pyplot</a:t>
             </a:r>
-            <a:endParaRPr lang="fr-FR" dirty="0" smtClean="0"/>
+            <a:endParaRPr lang="fr-FR" dirty="0"/>
           </a:p>
           <a:p>
             <a:pPr lvl="1"/>
@@ -5324,20 +5220,15 @@
             <a:pPr lvl="1"/>
             <a:r>
               <a:rPr lang="en-US" dirty="0"/>
-              <a:t>legend</a:t>
-            </a:r>
-            <a:r>
-              <a:rPr lang="en-US" dirty="0" smtClean="0"/>
-              <a:t>()</a:t>
+              <a:t>legend()</a:t>
             </a:r>
             <a:endParaRPr lang="fr-FR" dirty="0"/>
           </a:p>
           <a:p>
             <a:r>
-              <a:rPr lang="fr-FR" dirty="0" smtClean="0"/>
+              <a:rPr lang="fr-FR" dirty="0"/>
               <a:t>Show() va calculer le graphique final</a:t>
             </a:r>
-            <a:endParaRPr lang="fr-FR" dirty="0"/>
           </a:p>
         </p:txBody>
       </p:sp>
@@ -5351,13 +5242,6 @@
   <p:clrMapOvr>
     <a:masterClrMapping/>
   </p:clrMapOvr>
-  <p:timing>
-    <p:tnLst>
-      <p:par>
-        <p:cTn id="1" dur="indefinite" restart="never" nodeType="tmRoot"/>
-      </p:par>
-    </p:tnLst>
-  </p:timing>
 </p:sld>
 </file>
 
